--- a/Research School/Retreat/Fall 2014/retreat draft - version 2/Scenario relations.pptx
+++ b/Research School/Retreat/Fall 2014/retreat draft - version 2/Scenario relations.pptx
@@ -288,7 +288,7 @@
           <a:p>
             <a:fld id="{1617007B-AE2D-44C1-A622-3C80783AE921}" type="datetimeFigureOut">
               <a:rPr lang="de-DE" smtClean="0"/>
-              <a:t>01.09.2014</a:t>
+              <a:t>10.09.2014</a:t>
             </a:fld>
             <a:endParaRPr lang="de-DE"/>
           </a:p>
@@ -458,7 +458,7 @@
           <a:p>
             <a:fld id="{1617007B-AE2D-44C1-A622-3C80783AE921}" type="datetimeFigureOut">
               <a:rPr lang="de-DE" smtClean="0"/>
-              <a:t>01.09.2014</a:t>
+              <a:t>10.09.2014</a:t>
             </a:fld>
             <a:endParaRPr lang="de-DE"/>
           </a:p>
@@ -638,7 +638,7 @@
           <a:p>
             <a:fld id="{1617007B-AE2D-44C1-A622-3C80783AE921}" type="datetimeFigureOut">
               <a:rPr lang="de-DE" smtClean="0"/>
-              <a:t>01.09.2014</a:t>
+              <a:t>10.09.2014</a:t>
             </a:fld>
             <a:endParaRPr lang="de-DE"/>
           </a:p>
@@ -808,7 +808,7 @@
           <a:p>
             <a:fld id="{1617007B-AE2D-44C1-A622-3C80783AE921}" type="datetimeFigureOut">
               <a:rPr lang="de-DE" smtClean="0"/>
-              <a:t>01.09.2014</a:t>
+              <a:t>10.09.2014</a:t>
             </a:fld>
             <a:endParaRPr lang="de-DE"/>
           </a:p>
@@ -1054,7 +1054,7 @@
           <a:p>
             <a:fld id="{1617007B-AE2D-44C1-A622-3C80783AE921}" type="datetimeFigureOut">
               <a:rPr lang="de-DE" smtClean="0"/>
-              <a:t>01.09.2014</a:t>
+              <a:t>10.09.2014</a:t>
             </a:fld>
             <a:endParaRPr lang="de-DE"/>
           </a:p>
@@ -1342,7 +1342,7 @@
           <a:p>
             <a:fld id="{1617007B-AE2D-44C1-A622-3C80783AE921}" type="datetimeFigureOut">
               <a:rPr lang="de-DE" smtClean="0"/>
-              <a:t>01.09.2014</a:t>
+              <a:t>10.09.2014</a:t>
             </a:fld>
             <a:endParaRPr lang="de-DE"/>
           </a:p>
@@ -1764,7 +1764,7 @@
           <a:p>
             <a:fld id="{1617007B-AE2D-44C1-A622-3C80783AE921}" type="datetimeFigureOut">
               <a:rPr lang="de-DE" smtClean="0"/>
-              <a:t>01.09.2014</a:t>
+              <a:t>10.09.2014</a:t>
             </a:fld>
             <a:endParaRPr lang="de-DE"/>
           </a:p>
@@ -1882,7 +1882,7 @@
           <a:p>
             <a:fld id="{1617007B-AE2D-44C1-A622-3C80783AE921}" type="datetimeFigureOut">
               <a:rPr lang="de-DE" smtClean="0"/>
-              <a:t>01.09.2014</a:t>
+              <a:t>10.09.2014</a:t>
             </a:fld>
             <a:endParaRPr lang="de-DE"/>
           </a:p>
@@ -1977,7 +1977,7 @@
           <a:p>
             <a:fld id="{1617007B-AE2D-44C1-A622-3C80783AE921}" type="datetimeFigureOut">
               <a:rPr lang="de-DE" smtClean="0"/>
-              <a:t>01.09.2014</a:t>
+              <a:t>10.09.2014</a:t>
             </a:fld>
             <a:endParaRPr lang="de-DE"/>
           </a:p>
@@ -2254,7 +2254,7 @@
           <a:p>
             <a:fld id="{1617007B-AE2D-44C1-A622-3C80783AE921}" type="datetimeFigureOut">
               <a:rPr lang="de-DE" smtClean="0"/>
-              <a:t>01.09.2014</a:t>
+              <a:t>10.09.2014</a:t>
             </a:fld>
             <a:endParaRPr lang="de-DE"/>
           </a:p>
@@ -2507,7 +2507,7 @@
           <a:p>
             <a:fld id="{1617007B-AE2D-44C1-A622-3C80783AE921}" type="datetimeFigureOut">
               <a:rPr lang="de-DE" smtClean="0"/>
-              <a:t>01.09.2014</a:t>
+              <a:t>10.09.2014</a:t>
             </a:fld>
             <a:endParaRPr lang="de-DE"/>
           </a:p>
@@ -2720,7 +2720,7 @@
           <a:p>
             <a:fld id="{1617007B-AE2D-44C1-A622-3C80783AE921}" type="datetimeFigureOut">
               <a:rPr lang="de-DE" smtClean="0"/>
-              <a:t>01.09.2014</a:t>
+              <a:t>10.09.2014</a:t>
             </a:fld>
             <a:endParaRPr lang="de-DE"/>
           </a:p>
@@ -3249,7 +3249,7 @@
           <p:nvPr>
             <p:extLst>
               <p:ext uri="{D42A27DB-BD31-4B8C-83A1-F6EECF244321}">
-                <p14:modId xmlns:p14="http://schemas.microsoft.com/office/powerpoint/2010/main" val="2692440931"/>
+                <p14:modId xmlns:p14="http://schemas.microsoft.com/office/powerpoint/2010/main" val="3866742327"/>
               </p:ext>
             </p:extLst>
           </p:nvPr>
@@ -3291,7 +3291,7 @@
                         <a:defRPr/>
                       </a:pPr>
                       <a:r>
-                        <a:rPr lang="en-US" sz="1800" b="1" kern="1200" dirty="0" smtClean="0">
+                        <a:rPr lang="en-US" sz="1800" b="1" kern="1200" smtClean="0">
                           <a:solidFill>
                             <a:schemeClr val="lt1"/>
                           </a:solidFill>
@@ -3300,7 +3300,7 @@
                           <a:ea typeface="+mn-ea"/>
                           <a:cs typeface="+mn-cs"/>
                         </a:rPr>
-                        <a:t>Inner_scenarios</a:t>
+                        <a:t>Inner-scenarios</a:t>
                       </a:r>
                       <a:endParaRPr lang="de-DE" sz="1800" b="1" kern="1200" dirty="0" smtClean="0">
                         <a:solidFill>
